--- a/presentations-de/praesentation-05-kapitel-4-kara-sokoban.pptx
+++ b/presentations-de/praesentation-05-kapitel-4-kara-sokoban.pptx
@@ -194,7 +194,7 @@
             <a:fld id="{14279C90-4B83-44D1-A60F-44A75D7A4CD8}" type="datetimeFigureOut">
               <a:rPr lang="de-DE" smtClean="0"/>
               <a:pPr/>
-              <a:t>15.07.2012</a:t>
+              <a:t>29.10.2012</a:t>
             </a:fld>
             <a:endParaRPr lang="de-DE"/>
           </a:p>
@@ -752,7 +752,7 @@
             <a:pPr algn="ctr" eaLnBrk="1" latinLnBrk="0" hangingPunct="1"/>
             <a:r>
               <a:rPr lang="de-DE" smtClean="0"/>
-              <a:t>v1.3 (2012-07)</a:t>
+              <a:t>v2.0</a:t>
             </a:r>
             <a:endParaRPr lang="en-US" sz="2000" dirty="0">
               <a:solidFill>
@@ -797,7 +797,7 @@
                   <a:schemeClr val="tx2"/>
                 </a:solidFill>
               </a:rPr>
-              <a:t>Programmieren / Greenfoot</a:t>
+              <a:t>Programmieren / Kapitel 4 - Kara Sokoban</a:t>
             </a:r>
             <a:endParaRPr kumimoji="0" lang="en-US" dirty="0">
               <a:solidFill>
@@ -972,7 +972,7 @@
           <a:p>
             <a:r>
               <a:rPr lang="de-DE" smtClean="0"/>
-              <a:t>v1.3 (2012-07)</a:t>
+              <a:t>v2.0</a:t>
             </a:r>
             <a:endParaRPr lang="en-US"/>
           </a:p>
@@ -995,7 +995,7 @@
           <a:p>
             <a:r>
               <a:rPr kumimoji="0" lang="de-CH" smtClean="0"/>
-              <a:t>Programmieren / Greenfoot</a:t>
+              <a:t>Programmieren / Kapitel 4 - Kara Sokoban</a:t>
             </a:r>
             <a:endParaRPr kumimoji="0" lang="en-US"/>
           </a:p>
@@ -1157,7 +1157,7 @@
           <a:p>
             <a:r>
               <a:rPr lang="de-DE" smtClean="0"/>
-              <a:t>v1.3 (2012-07)</a:t>
+              <a:t>v2.0</a:t>
             </a:r>
             <a:endParaRPr lang="en-US" dirty="0"/>
           </a:p>
@@ -1185,7 +1185,7 @@
           <a:p>
             <a:r>
               <a:rPr kumimoji="0" lang="de-CH" smtClean="0"/>
-              <a:t>Programmieren / Greenfoot</a:t>
+              <a:t>Programmieren / Kapitel 4 - Kara Sokoban</a:t>
             </a:r>
             <a:endParaRPr kumimoji="0" lang="en-US" dirty="0"/>
           </a:p>
@@ -1425,7 +1425,7 @@
           <a:p>
             <a:r>
               <a:rPr lang="de-DE" smtClean="0"/>
-              <a:t>v1.3 (2012-07)</a:t>
+              <a:t>v2.0</a:t>
             </a:r>
             <a:endParaRPr lang="en-US" dirty="0"/>
           </a:p>
@@ -1448,7 +1448,7 @@
           <a:p>
             <a:r>
               <a:rPr kumimoji="0" lang="de-CH" smtClean="0"/>
-              <a:t>Programmieren / Greenfoot</a:t>
+              <a:t>Programmieren / Kapitel 4 - Kara Sokoban</a:t>
             </a:r>
             <a:endParaRPr kumimoji="0" lang="en-US"/>
           </a:p>
@@ -1852,7 +1852,7 @@
           <a:p>
             <a:r>
               <a:rPr lang="de-DE" smtClean="0"/>
-              <a:t>v1.3 (2012-07)</a:t>
+              <a:t>v2.0</a:t>
             </a:r>
             <a:endParaRPr lang="en-US"/>
           </a:p>
@@ -1919,7 +1919,7 @@
           <a:p>
             <a:r>
               <a:rPr kumimoji="0" lang="de-CH" smtClean="0"/>
-              <a:t>Programmieren / Greenfoot</a:t>
+              <a:t>Programmieren / Kapitel 4 - Kara Sokoban</a:t>
             </a:r>
             <a:endParaRPr kumimoji="0" lang="en-US"/>
           </a:p>
@@ -2111,7 +2111,7 @@
           <a:p>
             <a:r>
               <a:rPr lang="de-DE" smtClean="0"/>
-              <a:t>v1.3 (2012-07)</a:t>
+              <a:t>v2.0</a:t>
             </a:r>
             <a:endParaRPr lang="en-US"/>
           </a:p>
@@ -2159,7 +2159,7 @@
           <a:p>
             <a:r>
               <a:rPr kumimoji="0" lang="de-CH" smtClean="0"/>
-              <a:t>Programmieren / Greenfoot</a:t>
+              <a:t>Programmieren / Kapitel 4 - Kara Sokoban</a:t>
             </a:r>
             <a:endParaRPr kumimoji="0" lang="en-US"/>
           </a:p>
@@ -2360,7 +2360,7 @@
           <a:p>
             <a:r>
               <a:rPr lang="de-DE" smtClean="0"/>
-              <a:t>v1.3 (2012-07)</a:t>
+              <a:t>v2.0</a:t>
             </a:r>
             <a:endParaRPr lang="en-US"/>
           </a:p>
@@ -2408,7 +2408,7 @@
           <a:p>
             <a:r>
               <a:rPr kumimoji="0" lang="de-CH" smtClean="0"/>
-              <a:t>Programmieren / Greenfoot</a:t>
+              <a:t>Programmieren / Kapitel 4 - Kara Sokoban</a:t>
             </a:r>
             <a:endParaRPr kumimoji="0" lang="en-US"/>
           </a:p>
@@ -2568,7 +2568,7 @@
           <a:p>
             <a:r>
               <a:rPr lang="de-DE" smtClean="0"/>
-              <a:t>v1.3 (2012-07)</a:t>
+              <a:t>v2.0</a:t>
             </a:r>
             <a:endParaRPr lang="en-US"/>
           </a:p>
@@ -2591,7 +2591,7 @@
           <a:p>
             <a:r>
               <a:rPr kumimoji="0" lang="de-CH" smtClean="0"/>
-              <a:t>Programmieren / Greenfoot</a:t>
+              <a:t>Programmieren / Kapitel 4 - Kara Sokoban</a:t>
             </a:r>
             <a:endParaRPr kumimoji="0" lang="en-US"/>
           </a:p>
@@ -2682,7 +2682,7 @@
           <a:p>
             <a:r>
               <a:rPr lang="de-DE" smtClean="0"/>
-              <a:t>v1.3 (2012-07)</a:t>
+              <a:t>v2.0</a:t>
             </a:r>
             <a:endParaRPr lang="en-US"/>
           </a:p>
@@ -2705,7 +2705,7 @@
           <a:p>
             <a:r>
               <a:rPr kumimoji="0" lang="de-CH" smtClean="0"/>
-              <a:t>Programmieren / Greenfoot</a:t>
+              <a:t>Programmieren / Kapitel 4 - Kara Sokoban</a:t>
             </a:r>
             <a:endParaRPr kumimoji="0" lang="en-US" dirty="0"/>
           </a:p>
@@ -2827,7 +2827,7 @@
           <a:p>
             <a:r>
               <a:rPr lang="de-DE" smtClean="0"/>
-              <a:t>v1.3 (2012-07)</a:t>
+              <a:t>v2.0</a:t>
             </a:r>
             <a:endParaRPr lang="en-US"/>
           </a:p>
@@ -2850,7 +2850,7 @@
           <a:p>
             <a:r>
               <a:rPr kumimoji="0" lang="de-CH" smtClean="0"/>
-              <a:t>Programmieren / Greenfoot</a:t>
+              <a:t>Programmieren / Kapitel 4 - Kara Sokoban</a:t>
             </a:r>
             <a:endParaRPr kumimoji="0" lang="en-US"/>
           </a:p>
@@ -3349,7 +3349,7 @@
           <a:p>
             <a:r>
               <a:rPr lang="de-DE" smtClean="0"/>
-              <a:t>v1.3 (2012-07)</a:t>
+              <a:t>v2.0</a:t>
             </a:r>
             <a:endParaRPr lang="en-US"/>
           </a:p>
@@ -3411,7 +3411,7 @@
           <a:p>
             <a:r>
               <a:rPr kumimoji="0" lang="de-CH" smtClean="0"/>
-              <a:t>Programmieren / Greenfoot</a:t>
+              <a:t>Programmieren / Kapitel 4 - Kara Sokoban</a:t>
             </a:r>
             <a:endParaRPr kumimoji="0" lang="en-US" dirty="0"/>
           </a:p>
@@ -3616,7 +3616,7 @@
           <a:p>
             <a:r>
               <a:rPr lang="de-DE" smtClean="0"/>
-              <a:t>v1.3 (2012-07)</a:t>
+              <a:t>v2.0</a:t>
             </a:r>
             <a:endParaRPr lang="en-US" dirty="0"/>
           </a:p>
@@ -3655,7 +3655,7 @@
           <a:p>
             <a:r>
               <a:rPr lang="de-CH" smtClean="0"/>
-              <a:t>Programmieren / Greenfoot</a:t>
+              <a:t>Programmieren / Kapitel 4 - Kara Sokoban</a:t>
             </a:r>
             <a:endParaRPr lang="en-US" dirty="0"/>
           </a:p>
@@ -4256,19 +4256,11 @@
           <a:lstStyle/>
           <a:p>
             <a:r>
-              <a:rPr lang="de-DE" dirty="0" err="1" smtClean="0"/>
-              <a:t>Greenfoot</a:t>
-            </a:r>
-            <a:r>
               <a:rPr lang="de-DE" dirty="0" smtClean="0"/>
-              <a:t> – </a:t>
-            </a:r>
-            <a:r>
-              <a:rPr lang="de-DE" dirty="0" smtClean="0"/>
-              <a:t>Kara </a:t>
-            </a:r>
-            <a:r>
-              <a:rPr lang="de-DE" dirty="0" err="1" smtClean="0"/>
+              <a:t>Kapitel 4 – Kara </a:t>
+            </a:r>
+            <a:r>
+              <a:rPr lang="de-DE" smtClean="0"/>
               <a:t>Sokoban</a:t>
             </a:r>
             <a:endParaRPr lang="de-DE" dirty="0"/>
@@ -4347,7 +4339,7 @@
           <a:p>
             <a:r>
               <a:rPr lang="de-DE" smtClean="0"/>
-              <a:t>v1.3 (2012-07)</a:t>
+              <a:t>v2.0</a:t>
             </a:r>
             <a:endParaRPr lang="en-US" dirty="0"/>
           </a:p>
@@ -4370,7 +4362,7 @@
           <a:p>
             <a:r>
               <a:rPr kumimoji="0" lang="de-CH" smtClean="0"/>
-              <a:t>Programmieren / Greenfoot</a:t>
+              <a:t>Programmieren / Kapitel 4 - Kara Sokoban</a:t>
             </a:r>
             <a:endParaRPr kumimoji="0" lang="en-US"/>
           </a:p>
